--- a/Semana 9/clase9.pptx
+++ b/Semana 9/clase9.pptx
@@ -254,7 +254,7 @@
           <a:p>
             <a:fld id="{56EFBD41-8F30-499F-8836-9A8B592EDCF2}" type="datetimeFigureOut">
               <a:rPr lang="es-CR" smtClean="0"/>
-              <a:t>21/3/2017</a:t>
+              <a:t>18/3/2019</a:t>
             </a:fld>
             <a:endParaRPr lang="es-CR" dirty="0"/>
           </a:p>
@@ -419,7 +419,7 @@
           <a:p>
             <a:fld id="{701C4BE3-AD0D-43FB-97B9-68E31F3243AC}" type="datetimeFigureOut">
               <a:rPr lang="es-CR" smtClean="0"/>
-              <a:t>21/3/2017</a:t>
+              <a:t>18/3/2019</a:t>
             </a:fld>
             <a:endParaRPr lang="es-CR" dirty="0"/>
           </a:p>
@@ -829,7 +829,7 @@
           <a:p>
             <a:fld id="{EABE8AA6-12A8-4B45-AB18-A83908A3A2E6}" type="datetimeFigureOut">
               <a:rPr lang="es-ES" smtClean="0"/>
-              <a:t>21/03/2017</a:t>
+              <a:t>18/03/2019</a:t>
             </a:fld>
             <a:endParaRPr lang="es-ES" dirty="0"/>
           </a:p>
@@ -999,7 +999,7 @@
           <a:p>
             <a:fld id="{EABE8AA6-12A8-4B45-AB18-A83908A3A2E6}" type="datetimeFigureOut">
               <a:rPr lang="es-ES" smtClean="0"/>
-              <a:t>21/03/2017</a:t>
+              <a:t>18/03/2019</a:t>
             </a:fld>
             <a:endParaRPr lang="es-ES" dirty="0"/>
           </a:p>
@@ -1179,7 +1179,7 @@
           <a:p>
             <a:fld id="{EABE8AA6-12A8-4B45-AB18-A83908A3A2E6}" type="datetimeFigureOut">
               <a:rPr lang="es-ES" smtClean="0"/>
-              <a:t>21/03/2017</a:t>
+              <a:t>18/03/2019</a:t>
             </a:fld>
             <a:endParaRPr lang="es-ES" dirty="0"/>
           </a:p>
@@ -1382,7 +1382,7 @@
           <a:p>
             <a:fld id="{EABE8AA6-12A8-4B45-AB18-A83908A3A2E6}" type="datetimeFigureOut">
               <a:rPr lang="es-ES" smtClean="0"/>
-              <a:t>21/03/2017</a:t>
+              <a:t>18/03/2019</a:t>
             </a:fld>
             <a:endParaRPr lang="es-ES" dirty="0"/>
           </a:p>
@@ -1552,7 +1552,7 @@
           <a:p>
             <a:fld id="{EABE8AA6-12A8-4B45-AB18-A83908A3A2E6}" type="datetimeFigureOut">
               <a:rPr lang="es-ES" smtClean="0"/>
-              <a:t>21/03/2017</a:t>
+              <a:t>18/03/2019</a:t>
             </a:fld>
             <a:endParaRPr lang="es-ES" dirty="0"/>
           </a:p>
@@ -1803,7 +1803,7 @@
           <a:p>
             <a:fld id="{EABE8AA6-12A8-4B45-AB18-A83908A3A2E6}" type="datetimeFigureOut">
               <a:rPr lang="es-ES" smtClean="0"/>
-              <a:t>21/03/2017</a:t>
+              <a:t>18/03/2019</a:t>
             </a:fld>
             <a:endParaRPr lang="es-ES" dirty="0"/>
           </a:p>
@@ -2035,7 +2035,7 @@
           <a:p>
             <a:fld id="{EABE8AA6-12A8-4B45-AB18-A83908A3A2E6}" type="datetimeFigureOut">
               <a:rPr lang="es-ES" smtClean="0"/>
-              <a:t>21/03/2017</a:t>
+              <a:t>18/03/2019</a:t>
             </a:fld>
             <a:endParaRPr lang="es-ES" dirty="0"/>
           </a:p>
@@ -2382,7 +2382,7 @@
           <a:p>
             <a:fld id="{EABE8AA6-12A8-4B45-AB18-A83908A3A2E6}" type="datetimeFigureOut">
               <a:rPr lang="es-ES" smtClean="0"/>
-              <a:t>21/03/2017</a:t>
+              <a:t>18/03/2019</a:t>
             </a:fld>
             <a:endParaRPr lang="es-ES" dirty="0"/>
           </a:p>
@@ -2500,7 +2500,7 @@
           <a:p>
             <a:fld id="{73D7E00A-486F-4252-8B1D-E32645521F49}" type="datetime1">
               <a:rPr lang="en-US" smtClean="0"/>
-              <a:t>3/21/2017</a:t>
+              <a:t>3/18/2019</a:t>
             </a:fld>
             <a:endParaRPr lang="en-US" dirty="0"/>
           </a:p>
@@ -2618,7 +2618,7 @@
           <a:p>
             <a:fld id="{EABE8AA6-12A8-4B45-AB18-A83908A3A2E6}" type="datetimeFigureOut">
               <a:rPr lang="es-ES" smtClean="0"/>
-              <a:t>21/03/2017</a:t>
+              <a:t>18/03/2019</a:t>
             </a:fld>
             <a:endParaRPr lang="es-ES" dirty="0"/>
           </a:p>
@@ -2902,7 +2902,7 @@
           <a:p>
             <a:fld id="{EABE8AA6-12A8-4B45-AB18-A83908A3A2E6}" type="datetimeFigureOut">
               <a:rPr lang="es-ES" smtClean="0"/>
-              <a:t>21/03/2017</a:t>
+              <a:t>18/03/2019</a:t>
             </a:fld>
             <a:endParaRPr lang="es-ES" dirty="0"/>
           </a:p>
@@ -3072,7 +3072,7 @@
           <a:p>
             <a:fld id="{EABE8AA6-12A8-4B45-AB18-A83908A3A2E6}" type="datetimeFigureOut">
               <a:rPr lang="es-ES" smtClean="0"/>
-              <a:t>21/03/2017</a:t>
+              <a:t>18/03/2019</a:t>
             </a:fld>
             <a:endParaRPr lang="es-ES" dirty="0"/>
           </a:p>
@@ -3336,7 +3336,7 @@
           <a:p>
             <a:fld id="{EABE8AA6-12A8-4B45-AB18-A83908A3A2E6}" type="datetimeFigureOut">
               <a:rPr lang="es-ES" smtClean="0"/>
-              <a:t>21/03/2017</a:t>
+              <a:t>18/03/2019</a:t>
             </a:fld>
             <a:endParaRPr lang="es-ES" dirty="0"/>
           </a:p>
@@ -3506,7 +3506,7 @@
           <a:p>
             <a:fld id="{EABE8AA6-12A8-4B45-AB18-A83908A3A2E6}" type="datetimeFigureOut">
               <a:rPr lang="es-ES" smtClean="0"/>
-              <a:t>21/03/2017</a:t>
+              <a:t>18/03/2019</a:t>
             </a:fld>
             <a:endParaRPr lang="es-ES" dirty="0"/>
           </a:p>
@@ -3686,7 +3686,7 @@
           <a:p>
             <a:fld id="{EABE8AA6-12A8-4B45-AB18-A83908A3A2E6}" type="datetimeFigureOut">
               <a:rPr lang="es-ES" smtClean="0"/>
-              <a:t>21/03/2017</a:t>
+              <a:t>18/03/2019</a:t>
             </a:fld>
             <a:endParaRPr lang="es-ES" dirty="0"/>
           </a:p>
@@ -3878,7 +3878,7 @@
           <a:p>
             <a:fld id="{EABE8AA6-12A8-4B45-AB18-A83908A3A2E6}" type="datetimeFigureOut">
               <a:rPr lang="es-ES" smtClean="0"/>
-              <a:t>21/03/2017</a:t>
+              <a:t>18/03/2019</a:t>
             </a:fld>
             <a:endParaRPr lang="es-ES" dirty="0"/>
           </a:p>
@@ -4139,7 +4139,7 @@
           <a:p>
             <a:fld id="{EABE8AA6-12A8-4B45-AB18-A83908A3A2E6}" type="datetimeFigureOut">
               <a:rPr lang="es-ES" smtClean="0"/>
-              <a:t>21/03/2017</a:t>
+              <a:t>18/03/2019</a:t>
             </a:fld>
             <a:endParaRPr lang="es-ES" dirty="0"/>
           </a:p>
@@ -4530,7 +4530,7 @@
           <a:p>
             <a:fld id="{EABE8AA6-12A8-4B45-AB18-A83908A3A2E6}" type="datetimeFigureOut">
               <a:rPr lang="es-ES" smtClean="0"/>
-              <a:t>21/03/2017</a:t>
+              <a:t>18/03/2019</a:t>
             </a:fld>
             <a:endParaRPr lang="es-ES" dirty="0"/>
           </a:p>
@@ -4818,7 +4818,7 @@
           <a:p>
             <a:fld id="{EABE8AA6-12A8-4B45-AB18-A83908A3A2E6}" type="datetimeFigureOut">
               <a:rPr lang="es-ES" smtClean="0"/>
-              <a:t>21/03/2017</a:t>
+              <a:t>18/03/2019</a:t>
             </a:fld>
             <a:endParaRPr lang="es-ES" dirty="0"/>
           </a:p>
@@ -5241,7 +5241,7 @@
           <a:p>
             <a:fld id="{EABE8AA6-12A8-4B45-AB18-A83908A3A2E6}" type="datetimeFigureOut">
               <a:rPr lang="es-ES" smtClean="0"/>
-              <a:t>21/03/2017</a:t>
+              <a:t>18/03/2019</a:t>
             </a:fld>
             <a:endParaRPr lang="es-ES" dirty="0"/>
           </a:p>
@@ -5359,7 +5359,7 @@
           <a:p>
             <a:fld id="{73D7E00A-486F-4252-8B1D-E32645521F49}" type="datetime1">
               <a:rPr lang="en-US" smtClean="0"/>
-              <a:t>3/21/2017</a:t>
+              <a:t>3/18/2019</a:t>
             </a:fld>
             <a:endParaRPr lang="en-US" dirty="0"/>
           </a:p>
@@ -5454,7 +5454,7 @@
           <a:p>
             <a:fld id="{EABE8AA6-12A8-4B45-AB18-A83908A3A2E6}" type="datetimeFigureOut">
               <a:rPr lang="es-ES" smtClean="0"/>
-              <a:t>21/03/2017</a:t>
+              <a:t>18/03/2019</a:t>
             </a:fld>
             <a:endParaRPr lang="es-ES" dirty="0"/>
           </a:p>
@@ -5705,7 +5705,7 @@
           <a:p>
             <a:fld id="{EABE8AA6-12A8-4B45-AB18-A83908A3A2E6}" type="datetimeFigureOut">
               <a:rPr lang="es-ES" smtClean="0"/>
-              <a:t>21/03/2017</a:t>
+              <a:t>18/03/2019</a:t>
             </a:fld>
             <a:endParaRPr lang="es-ES" dirty="0"/>
           </a:p>
@@ -5982,7 +5982,7 @@
           <a:p>
             <a:fld id="{EABE8AA6-12A8-4B45-AB18-A83908A3A2E6}" type="datetimeFigureOut">
               <a:rPr lang="es-ES" smtClean="0"/>
-              <a:t>21/03/2017</a:t>
+              <a:t>18/03/2019</a:t>
             </a:fld>
             <a:endParaRPr lang="es-ES" dirty="0"/>
           </a:p>
@@ -6239,7 +6239,7 @@
           <a:p>
             <a:fld id="{EABE8AA6-12A8-4B45-AB18-A83908A3A2E6}" type="datetimeFigureOut">
               <a:rPr lang="es-ES" smtClean="0"/>
-              <a:t>21/03/2017</a:t>
+              <a:t>18/03/2019</a:t>
             </a:fld>
             <a:endParaRPr lang="es-ES" dirty="0"/>
           </a:p>
@@ -6409,7 +6409,7 @@
           <a:p>
             <a:fld id="{EABE8AA6-12A8-4B45-AB18-A83908A3A2E6}" type="datetimeFigureOut">
               <a:rPr lang="es-ES" smtClean="0"/>
-              <a:t>21/03/2017</a:t>
+              <a:t>18/03/2019</a:t>
             </a:fld>
             <a:endParaRPr lang="es-ES" dirty="0"/>
           </a:p>
@@ -6589,7 +6589,7 @@
           <a:p>
             <a:fld id="{EABE8AA6-12A8-4B45-AB18-A83908A3A2E6}" type="datetimeFigureOut">
               <a:rPr lang="es-ES" smtClean="0"/>
-              <a:t>21/03/2017</a:t>
+              <a:t>18/03/2019</a:t>
             </a:fld>
             <a:endParaRPr lang="es-ES" dirty="0"/>
           </a:p>
@@ -7129,7 +7129,7 @@
           <a:p>
             <a:fld id="{EABE8AA6-12A8-4B45-AB18-A83908A3A2E6}" type="datetimeFigureOut">
               <a:rPr lang="es-ES" smtClean="0"/>
-              <a:t>21/03/2017</a:t>
+              <a:t>18/03/2019</a:t>
             </a:fld>
             <a:endParaRPr lang="es-ES" dirty="0"/>
           </a:p>
@@ -7476,7 +7476,7 @@
           <a:p>
             <a:fld id="{EABE8AA6-12A8-4B45-AB18-A83908A3A2E6}" type="datetimeFigureOut">
               <a:rPr lang="es-ES" smtClean="0"/>
-              <a:t>21/03/2017</a:t>
+              <a:t>18/03/2019</a:t>
             </a:fld>
             <a:endParaRPr lang="es-ES" dirty="0"/>
           </a:p>
@@ -7594,7 +7594,7 @@
           <a:p>
             <a:fld id="{73D7E00A-486F-4252-8B1D-E32645521F49}" type="datetime1">
               <a:rPr lang="en-US" smtClean="0"/>
-              <a:t>3/21/2017</a:t>
+              <a:t>3/18/2019</a:t>
             </a:fld>
             <a:endParaRPr lang="en-US" dirty="0"/>
           </a:p>
@@ -8032,7 +8032,7 @@
           <a:p>
             <a:fld id="{EABE8AA6-12A8-4B45-AB18-A83908A3A2E6}" type="datetimeFigureOut">
               <a:rPr lang="es-ES" smtClean="0"/>
-              <a:t>21/03/2017</a:t>
+              <a:t>18/03/2019</a:t>
             </a:fld>
             <a:endParaRPr lang="es-ES" dirty="0"/>
           </a:p>
@@ -8296,7 +8296,7 @@
           <a:p>
             <a:fld id="{EABE8AA6-12A8-4B45-AB18-A83908A3A2E6}" type="datetimeFigureOut">
               <a:rPr lang="es-ES" smtClean="0"/>
-              <a:t>21/03/2017</a:t>
+              <a:t>18/03/2019</a:t>
             </a:fld>
             <a:endParaRPr lang="es-ES" dirty="0"/>
           </a:p>
@@ -8510,7 +8510,7 @@
           <a:p>
             <a:fld id="{5586B75A-687E-405C-8A0B-8D00578BA2C3}" type="datetime1">
               <a:rPr lang="en-US" smtClean="0"/>
-              <a:t>3/21/2017</a:t>
+              <a:t>3/18/2019</a:t>
             </a:fld>
             <a:endParaRPr lang="en-US" dirty="0"/>
           </a:p>
@@ -9040,7 +9040,7 @@
           <a:p>
             <a:fld id="{5586B75A-687E-405C-8A0B-8D00578BA2C3}" type="datetime1">
               <a:rPr lang="en-US" smtClean="0"/>
-              <a:t>3/21/2017</a:t>
+              <a:t>3/18/2019</a:t>
             </a:fld>
             <a:endParaRPr lang="en-US" dirty="0"/>
           </a:p>
@@ -9569,7 +9569,7 @@
           <a:p>
             <a:fld id="{5586B75A-687E-405C-8A0B-8D00578BA2C3}" type="datetime1">
               <a:rPr lang="en-US" smtClean="0"/>
-              <a:t>3/21/2017</a:t>
+              <a:t>3/18/2019</a:t>
             </a:fld>
             <a:endParaRPr lang="en-US" dirty="0"/>
           </a:p>
@@ -10458,7 +10458,6 @@
               <a:rPr lang="es-CR" dirty="0"/>
               <a:t>Consultas sobre una tabla</a:t>
             </a:r>
-            <a:endParaRPr lang="es-CR" dirty="0"/>
           </a:p>
         </p:txBody>
       </p:sp>
@@ -10538,11 +10537,7 @@
             </a:pPr>
             <a:r>
               <a:rPr lang="es-ES" dirty="0"/>
-              <a:t>F</a:t>
-            </a:r>
-            <a:r>
-              <a:rPr lang="es-ES" dirty="0"/>
-              <a:t>ROM trabajos;</a:t>
+              <a:t>FROM trabajos;</a:t>
             </a:r>
           </a:p>
           <a:p>
@@ -10630,7 +10625,6 @@
               <a:rPr lang="es-CR" dirty="0"/>
               <a:t>Cláusula Distinct</a:t>
             </a:r>
-            <a:endParaRPr lang="es-CR" dirty="0"/>
           </a:p>
         </p:txBody>
       </p:sp>
@@ -11219,7 +11213,6 @@
               <a:rPr lang="es-CR" dirty="0"/>
               <a:t>Recuperación calificada</a:t>
             </a:r>
-            <a:endParaRPr lang="es-CR" dirty="0"/>
           </a:p>
         </p:txBody>
       </p:sp>
@@ -12018,7 +12011,6 @@
               <a:rPr lang="es-CR" dirty="0"/>
               <a:t>Operador IN</a:t>
             </a:r>
-            <a:endParaRPr lang="es-CR" dirty="0"/>
           </a:p>
         </p:txBody>
       </p:sp>
@@ -13436,7 +13428,6 @@
               <a:rPr lang="es-CR" dirty="0"/>
               <a:t>Operaciones de Conjuntos</a:t>
             </a:r>
-            <a:endParaRPr lang="es-CR" dirty="0"/>
           </a:p>
         </p:txBody>
       </p:sp>
@@ -13546,9 +13537,10 @@
               </a:spcBef>
             </a:pPr>
             <a:r>
-              <a:rPr lang="es-CR" dirty="0"/>
-              <a:t>2017</a:t>
-            </a:r>
+              <a:rPr lang="es-CR"/>
+              <a:t>2019</a:t>
+            </a:r>
+            <a:endParaRPr lang="es-CR" dirty="0"/>
           </a:p>
         </p:txBody>
       </p:sp>
@@ -14632,13 +14624,8 @@
             </a:pPr>
             <a:r>
               <a:rPr lang="es-ES" dirty="0"/>
-              <a:t>» </a:t>
-            </a:r>
-            <a:r>
-              <a:rPr lang="es-ES" dirty="0"/>
-              <a:t>Obtener los códigos de aquellos trabajadores que tengan categoría inferior a 15 y no hayan trabajado con la máquina M03</a:t>
-            </a:r>
-            <a:endParaRPr lang="es-ES" dirty="0"/>
+              <a:t>» Obtener los códigos de aquellos trabajadores que tengan categoría inferior a 15 y no hayan trabajado con la máquina M03</a:t>
+            </a:r>
           </a:p>
           <a:p>
             <a:pPr marL="0" indent="0">
@@ -14883,11 +14870,7 @@
             </a:pPr>
             <a:r>
               <a:rPr lang="es-ES" dirty="0"/>
-              <a:t>» </a:t>
-            </a:r>
-            <a:r>
-              <a:rPr lang="es-ES" dirty="0"/>
-              <a:t>Obtener los códigos de aquellos trabajadores que tengan categoría inferior a 15 y no hayan trabajado con la máquina M03</a:t>
+              <a:t>» Obtener los códigos de aquellos trabajadores que tengan categoría inferior a 15 y no hayan trabajado con la máquina M03</a:t>
             </a:r>
           </a:p>
           <a:p>
@@ -15727,7 +15710,6 @@
               <a:rPr lang="es-CR" dirty="0"/>
               <a:t>Funciones Agregadas</a:t>
             </a:r>
-            <a:endParaRPr lang="es-CR" dirty="0"/>
           </a:p>
         </p:txBody>
       </p:sp>
@@ -15876,7 +15858,6 @@
               <a:rPr lang="es-CR" dirty="0"/>
               <a:t>Funciones Agregadas</a:t>
             </a:r>
-            <a:endParaRPr lang="es-CR" dirty="0"/>
           </a:p>
         </p:txBody>
       </p:sp>
@@ -16033,7 +16014,6 @@
               <a:rPr lang="es-CR" dirty="0"/>
               <a:t>Funciones Agregadas</a:t>
             </a:r>
-            <a:endParaRPr lang="es-CR" dirty="0"/>
           </a:p>
         </p:txBody>
       </p:sp>
@@ -16487,7 +16467,6 @@
               <a:rPr lang="es-CR" dirty="0"/>
               <a:t>Funciones Agregadas</a:t>
             </a:r>
-            <a:endParaRPr lang="es-CR" dirty="0"/>
           </a:p>
         </p:txBody>
       </p:sp>
@@ -16748,7 +16727,6 @@
                         <a:rPr lang="es-CR" dirty="0"/>
                         <a:t>12 </a:t>
                       </a:r>
-                      <a:endParaRPr lang="es-CR" dirty="0"/>
                     </a:p>
                   </a:txBody>
                   <a:tcPr/>
@@ -18306,7 +18284,6 @@
               <a:rPr lang="es-CR" dirty="0"/>
               <a:t>Introducción</a:t>
             </a:r>
-            <a:endParaRPr lang="es-CR" dirty="0"/>
           </a:p>
         </p:txBody>
       </p:sp>
@@ -18442,7 +18419,6 @@
               <a:rPr lang="es-CR" dirty="0"/>
               <a:t>Introducción</a:t>
             </a:r>
-            <a:endParaRPr lang="es-CR" dirty="0"/>
           </a:p>
         </p:txBody>
       </p:sp>
@@ -18537,13 +18513,8 @@
             <a:pPr lvl="1"/>
             <a:r>
               <a:rPr lang="es-ES" dirty="0"/>
-              <a:t>Los corchetes representan elementos opcionale</a:t>
-            </a:r>
-            <a:r>
-              <a:rPr lang="es-ES" dirty="0"/>
-              <a:t>s.</a:t>
-            </a:r>
-            <a:endParaRPr lang="es-ES" dirty="0"/>
+              <a:t>Los corchetes representan elementos opcionales.</a:t>
+            </a:r>
           </a:p>
           <a:p>
             <a:pPr lvl="1"/>
@@ -18590,7 +18561,6 @@
               <a:rPr lang="es-CR" dirty="0"/>
               <a:t>Introducción</a:t>
             </a:r>
-            <a:endParaRPr lang="es-CR" dirty="0"/>
           </a:p>
         </p:txBody>
       </p:sp>
@@ -18665,11 +18635,7 @@
             </a:pPr>
             <a:r>
               <a:rPr lang="es-ES" b="1" dirty="0"/>
-              <a:t>F</a:t>
-            </a:r>
-            <a:r>
-              <a:rPr lang="es-ES" b="1" dirty="0"/>
-              <a:t>ROM</a:t>
+              <a:t>FROM</a:t>
             </a:r>
             <a:r>
               <a:rPr lang="es-ES" dirty="0"/>
@@ -18844,7 +18810,6 @@
               <a:rPr lang="es-CR" dirty="0"/>
               <a:t>Operaciones de recuperación</a:t>
             </a:r>
-            <a:endParaRPr lang="es-CR" dirty="0"/>
           </a:p>
         </p:txBody>
       </p:sp>
@@ -18961,7 +18926,6 @@
               <a:rPr lang="es-CR" dirty="0"/>
               <a:t>Existencial (EXISTS)</a:t>
             </a:r>
-            <a:endParaRPr lang="es-CR" dirty="0"/>
           </a:p>
         </p:txBody>
       </p:sp>
@@ -18984,7 +18948,6 @@
               <a:rPr lang="es-CR" dirty="0"/>
               <a:t>Operaciones de consulta</a:t>
             </a:r>
-            <a:endParaRPr lang="es-CR" dirty="0"/>
           </a:p>
         </p:txBody>
       </p:sp>
